--- a/Amazon Movie Recommendation System.pptx
+++ b/Amazon Movie Recommendation System.pptx
@@ -8052,11 +8052,11 @@
           <a:lstStyle/>
           <a:p>
             <a:r>
-              <a:rPr lang="en-US" b="1" dirty="0"/>
+              <a:rPr lang="en-US" sz="4000" b="1" dirty="0"/>
               <a:t>Preprocessing Steps</a:t>
             </a:r>
             <a:br>
-              <a:rPr lang="en-US" b="1" i="0" dirty="0">
+              <a:rPr lang="en-US" sz="4000" b="1" i="0" dirty="0">
                 <a:solidFill>
                   <a:srgbClr val="0D0D0D"/>
                 </a:solidFill>
@@ -8064,7 +8064,7 @@
                 <a:latin typeface="Söhne"/>
               </a:rPr>
             </a:br>
-            <a:endParaRPr lang="en-US" b="1" dirty="0"/>
+            <a:endParaRPr lang="en-US" sz="4000" b="1" dirty="0"/>
           </a:p>
         </p:txBody>
       </p:sp>
@@ -8092,7 +8092,7 @@
         </p:spPr>
         <p:txBody>
           <a:bodyPr>
-            <a:normAutofit/>
+            <a:normAutofit lnSpcReduction="10000"/>
           </a:bodyPr>
           <a:lstStyle/>
           <a:p>
@@ -8106,14 +8106,26 @@
             </a:r>
           </a:p>
           <a:p>
+            <a:pPr marL="0" indent="0">
+              <a:buNone/>
+            </a:pPr>
+            <a:r>
+              <a:rPr lang="en-US" sz="2800" dirty="0">
+                <a:hlinkClick r:id="rId2"/>
+              </a:rPr>
+              <a:t>https://www.kaggle.com/code/prashant111/recommender-systems-in-python/input</a:t>
+            </a:r>
+            <a:r>
+              <a:rPr lang="en-US" sz="2800" dirty="0"/>
+              <a:t>   </a:t>
+            </a:r>
+          </a:p>
+          <a:p>
             <a:pPr algn="l">
               <a:buFont typeface="Arial" panose="020B0604020202020204" pitchFamily="34" charset="0"/>
               <a:buChar char="•"/>
             </a:pPr>
-            <a:r>
-              <a:rPr lang="en-US" sz="2800" dirty="0"/>
-              <a:t>Data Cleaning: Handling missing values by removing null values.</a:t>
-            </a:r>
+            <a:endParaRPr lang="en-US" sz="2800" dirty="0"/>
           </a:p>
           <a:p>
             <a:pPr algn="l">
@@ -8122,6 +8134,16 @@
             </a:pPr>
             <a:r>
               <a:rPr lang="en-US" sz="2800" dirty="0"/>
+              <a:t>Data Cleaning: Handling missing values by removing null values.</a:t>
+            </a:r>
+          </a:p>
+          <a:p>
+            <a:pPr algn="l">
+              <a:buFont typeface="Arial" panose="020B0604020202020204" pitchFamily="34" charset="0"/>
+              <a:buChar char="•"/>
+            </a:pPr>
+            <a:r>
+              <a:rPr lang="en-US" sz="2800" dirty="0"/>
               <a:t>Data Integration: Merged two </a:t>
             </a:r>
             <a:r>
@@ -8148,7 +8170,6 @@
               <a:rPr lang="en-US" sz="2800" dirty="0"/>
               <a:t>.</a:t>
             </a:r>
-            <a:endParaRPr lang="en-US" dirty="0"/>
           </a:p>
         </p:txBody>
       </p:sp>
@@ -11012,12 +11033,11 @@
 </file>
 
 <file path=customXml/item1.xml><?xml version="1.0" encoding="utf-8"?>
-<?mso-contentType ?>
-<FormTemplates xmlns="http://schemas.microsoft.com/sharepoint/v3/contenttype/forms">
-  <Display>DocumentLibraryForm</Display>
-  <Edit>DocumentLibraryForm</Edit>
-  <New>DocumentLibraryForm</New>
-</FormTemplates>
+<p:properties xmlns:p="http://schemas.microsoft.com/office/2006/metadata/properties" xmlns:xsi="http://www.w3.org/2001/XMLSchema-instance" xmlns:pc="http://schemas.microsoft.com/office/infopath/2007/PartnerControls">
+  <documentManagement>
+    <_activity xmlns="8c11c6da-a739-4b3f-903a-67c781240f4d" xsi:nil="true"/>
+  </documentManagement>
+</p:properties>
 </file>
 
 <file path=customXml/item2.xml><?xml version="1.0" encoding="utf-8"?>
@@ -11171,17 +11191,26 @@
 </file>
 
 <file path=customXml/item3.xml><?xml version="1.0" encoding="utf-8"?>
-<p:properties xmlns:p="http://schemas.microsoft.com/office/2006/metadata/properties" xmlns:xsi="http://www.w3.org/2001/XMLSchema-instance" xmlns:pc="http://schemas.microsoft.com/office/infopath/2007/PartnerControls">
-  <documentManagement>
-    <_activity xmlns="8c11c6da-a739-4b3f-903a-67c781240f4d" xsi:nil="true"/>
-  </documentManagement>
-</p:properties>
+<?mso-contentType ?>
+<FormTemplates xmlns="http://schemas.microsoft.com/sharepoint/v3/contenttype/forms">
+  <Display>DocumentLibraryForm</Display>
+  <Edit>DocumentLibraryForm</Edit>
+  <New>DocumentLibraryForm</New>
+</FormTemplates>
 </file>
 
 <file path=customXml/itemProps1.xml><?xml version="1.0" encoding="utf-8"?>
-<ds:datastoreItem xmlns:ds="http://schemas.openxmlformats.org/officeDocument/2006/customXml" ds:itemID="{C82C5E5A-4EE8-4358-87A6-C708ABB31DA3}">
+<ds:datastoreItem xmlns:ds="http://schemas.openxmlformats.org/officeDocument/2006/customXml" ds:itemID="{6E767B90-A963-4A7F-BF47-115BE1241A63}">
   <ds:schemaRefs>
-    <ds:schemaRef ds:uri="http://schemas.microsoft.com/sharepoint/v3/contenttype/forms"/>
+    <ds:schemaRef ds:uri="http://schemas.microsoft.com/office/2006/metadata/properties"/>
+    <ds:schemaRef ds:uri="8c11c6da-a739-4b3f-903a-67c781240f4d"/>
+    <ds:schemaRef ds:uri="http://purl.org/dc/terms/"/>
+    <ds:schemaRef ds:uri="http://schemas.microsoft.com/office/2006/documentManagement/types"/>
+    <ds:schemaRef ds:uri="http://www.w3.org/XML/1998/namespace"/>
+    <ds:schemaRef ds:uri="http://purl.org/dc/elements/1.1/"/>
+    <ds:schemaRef ds:uri="http://schemas.microsoft.com/office/infopath/2007/PartnerControls"/>
+    <ds:schemaRef ds:uri="http://schemas.openxmlformats.org/package/2006/metadata/core-properties"/>
+    <ds:schemaRef ds:uri="http://purl.org/dc/dcmitype/"/>
   </ds:schemaRefs>
 </ds:datastoreItem>
 </file>
@@ -11205,17 +11234,9 @@
 </file>
 
 <file path=customXml/itemProps3.xml><?xml version="1.0" encoding="utf-8"?>
-<ds:datastoreItem xmlns:ds="http://schemas.openxmlformats.org/officeDocument/2006/customXml" ds:itemID="{6E767B90-A963-4A7F-BF47-115BE1241A63}">
+<ds:datastoreItem xmlns:ds="http://schemas.openxmlformats.org/officeDocument/2006/customXml" ds:itemID="{C82C5E5A-4EE8-4358-87A6-C708ABB31DA3}">
   <ds:schemaRefs>
-    <ds:schemaRef ds:uri="http://schemas.microsoft.com/office/2006/metadata/properties"/>
-    <ds:schemaRef ds:uri="8c11c6da-a739-4b3f-903a-67c781240f4d"/>
-    <ds:schemaRef ds:uri="http://purl.org/dc/terms/"/>
-    <ds:schemaRef ds:uri="http://schemas.microsoft.com/office/2006/documentManagement/types"/>
-    <ds:schemaRef ds:uri="http://www.w3.org/XML/1998/namespace"/>
-    <ds:schemaRef ds:uri="http://purl.org/dc/elements/1.1/"/>
-    <ds:schemaRef ds:uri="http://schemas.microsoft.com/office/infopath/2007/PartnerControls"/>
-    <ds:schemaRef ds:uri="http://schemas.openxmlformats.org/package/2006/metadata/core-properties"/>
-    <ds:schemaRef ds:uri="http://purl.org/dc/dcmitype/"/>
+    <ds:schemaRef ds:uri="http://schemas.microsoft.com/sharepoint/v3/contenttype/forms"/>
   </ds:schemaRefs>
 </ds:datastoreItem>
 </file>